--- a/Mini Project 1 - DELAYED FLIGHTS.pptx
+++ b/Mini Project 1 - DELAYED FLIGHTS.pptx
@@ -9064,7 +9064,7 @@
           <a:p>
             <a:fld id="{80680FBE-A8DF-4758-9AC4-3A9E1039168F}" type="datetimeFigureOut">
               <a:rPr lang="en-US" smtClean="0"/>
-              <a:t>8/7/2020</a:t>
+              <a:t>8/8/2020</a:t>
             </a:fld>
             <a:endParaRPr lang="en-US" dirty="0"/>
           </a:p>
@@ -9229,7 +9229,7 @@
           <a:p>
             <a:fld id="{EC13577B-6902-467D-A26C-08A0DD5E4E03}" type="datetimeFigureOut">
               <a:rPr lang="en-US" smtClean="0"/>
-              <a:t>8/7/2020</a:t>
+              <a:t>8/8/2020</a:t>
             </a:fld>
             <a:endParaRPr lang="en-US" dirty="0"/>
           </a:p>
@@ -9688,7 +9688,7 @@
             <a:fld id="{8BEEBAAA-29B5-4AF5-BC5F-7E580C29002D}" type="datetimeFigureOut">
               <a:rPr lang="en-US" smtClean="0"/>
               <a:pPr/>
-              <a:t>8/7/2020</a:t>
+              <a:t>8/8/2020</a:t>
             </a:fld>
             <a:endParaRPr lang="en-US" dirty="0"/>
           </a:p>
@@ -10126,7 +10126,7 @@
             <a:fld id="{8BEEBAAA-29B5-4AF5-BC5F-7E580C29002D}" type="datetimeFigureOut">
               <a:rPr lang="en-US" smtClean="0"/>
               <a:pPr/>
-              <a:t>8/7/2020</a:t>
+              <a:t>8/8/2020</a:t>
             </a:fld>
             <a:endParaRPr lang="en-US" dirty="0"/>
           </a:p>
@@ -10378,7 +10378,7 @@
             <a:fld id="{8BEEBAAA-29B5-4AF5-BC5F-7E580C29002D}" type="datetimeFigureOut">
               <a:rPr lang="en-US" smtClean="0"/>
               <a:pPr/>
-              <a:t>8/7/2020</a:t>
+              <a:t>8/8/2020</a:t>
             </a:fld>
             <a:endParaRPr lang="en-US" dirty="0"/>
           </a:p>
@@ -10688,7 +10688,7 @@
             <a:fld id="{8BEEBAAA-29B5-4AF5-BC5F-7E580C29002D}" type="datetimeFigureOut">
               <a:rPr lang="en-US" smtClean="0"/>
               <a:pPr/>
-              <a:t>8/7/2020</a:t>
+              <a:t>8/8/2020</a:t>
             </a:fld>
             <a:endParaRPr lang="en-US" dirty="0"/>
           </a:p>
@@ -11008,7 +11008,7 @@
             <a:fld id="{8BEEBAAA-29B5-4AF5-BC5F-7E580C29002D}" type="datetimeFigureOut">
               <a:rPr lang="en-US" smtClean="0"/>
               <a:pPr/>
-              <a:t>8/7/2020</a:t>
+              <a:t>8/8/2020</a:t>
             </a:fld>
             <a:endParaRPr lang="en-US" dirty="0"/>
           </a:p>
@@ -11312,7 +11312,7 @@
             <a:fld id="{8BEEBAAA-29B5-4AF5-BC5F-7E580C29002D}" type="datetimeFigureOut">
               <a:rPr lang="en-US" smtClean="0"/>
               <a:pPr/>
-              <a:t>8/7/2020</a:t>
+              <a:t>8/8/2020</a:t>
             </a:fld>
             <a:endParaRPr lang="en-US" dirty="0"/>
           </a:p>
@@ -11681,7 +11681,7 @@
             <a:fld id="{8BEEBAAA-29B5-4AF5-BC5F-7E580C29002D}" type="datetimeFigureOut">
               <a:rPr lang="en-US" smtClean="0"/>
               <a:pPr/>
-              <a:t>8/7/2020</a:t>
+              <a:t>8/8/2020</a:t>
             </a:fld>
             <a:endParaRPr lang="en-US" dirty="0"/>
           </a:p>
@@ -11857,7 +11857,7 @@
             <a:fld id="{8BEEBAAA-29B5-4AF5-BC5F-7E580C29002D}" type="datetimeFigureOut">
               <a:rPr lang="en-US" smtClean="0"/>
               <a:pPr/>
-              <a:t>8/7/2020</a:t>
+              <a:t>8/8/2020</a:t>
             </a:fld>
             <a:endParaRPr lang="en-US" dirty="0"/>
           </a:p>
@@ -12039,7 +12039,7 @@
             <a:fld id="{8BEEBAAA-29B5-4AF5-BC5F-7E580C29002D}" type="datetimeFigureOut">
               <a:rPr lang="en-US" smtClean="0"/>
               <a:pPr/>
-              <a:t>8/7/2020</a:t>
+              <a:t>8/8/2020</a:t>
             </a:fld>
             <a:endParaRPr lang="en-US" dirty="0"/>
           </a:p>
@@ -12310,7 +12310,7 @@
             <a:fld id="{8BEEBAAA-29B5-4AF5-BC5F-7E580C29002D}" type="datetimeFigureOut">
               <a:rPr lang="en-US" smtClean="0"/>
               <a:pPr/>
-              <a:t>8/7/2020</a:t>
+              <a:t>8/8/2020</a:t>
             </a:fld>
             <a:endParaRPr lang="en-US" dirty="0"/>
           </a:p>
@@ -12562,7 +12562,7 @@
             <a:fld id="{8BEEBAAA-29B5-4AF5-BC5F-7E580C29002D}" type="datetimeFigureOut">
               <a:rPr lang="en-US" smtClean="0"/>
               <a:pPr/>
-              <a:t>8/7/2020</a:t>
+              <a:t>8/8/2020</a:t>
             </a:fld>
             <a:endParaRPr lang="en-US" dirty="0"/>
           </a:p>
@@ -12800,7 +12800,7 @@
             <a:fld id="{8BEEBAAA-29B5-4AF5-BC5F-7E580C29002D}" type="datetimeFigureOut">
               <a:rPr lang="en-US" smtClean="0"/>
               <a:pPr/>
-              <a:t>8/7/2020</a:t>
+              <a:t>8/8/2020</a:t>
             </a:fld>
             <a:endParaRPr lang="en-US" dirty="0"/>
           </a:p>
@@ -13184,7 +13184,7 @@
             <a:fld id="{8BEEBAAA-29B5-4AF5-BC5F-7E580C29002D}" type="datetimeFigureOut">
               <a:rPr lang="en-US" smtClean="0"/>
               <a:pPr/>
-              <a:t>8/7/2020</a:t>
+              <a:t>8/8/2020</a:t>
             </a:fld>
             <a:endParaRPr lang="en-US" dirty="0"/>
           </a:p>
@@ -13304,7 +13304,7 @@
             <a:fld id="{8BEEBAAA-29B5-4AF5-BC5F-7E580C29002D}" type="datetimeFigureOut">
               <a:rPr lang="en-US" smtClean="0"/>
               <a:pPr/>
-              <a:t>8/7/2020</a:t>
+              <a:t>8/8/2020</a:t>
             </a:fld>
             <a:endParaRPr lang="en-US" dirty="0"/>
           </a:p>
@@ -13401,7 +13401,7 @@
             <a:fld id="{8BEEBAAA-29B5-4AF5-BC5F-7E580C29002D}" type="datetimeFigureOut">
               <a:rPr lang="en-US" smtClean="0"/>
               <a:pPr/>
-              <a:t>8/7/2020</a:t>
+              <a:t>8/8/2020</a:t>
             </a:fld>
             <a:endParaRPr lang="en-US" dirty="0"/>
           </a:p>
@@ -13658,7 +13658,7 @@
             <a:fld id="{8BEEBAAA-29B5-4AF5-BC5F-7E580C29002D}" type="datetimeFigureOut">
               <a:rPr lang="en-US" smtClean="0"/>
               <a:pPr/>
-              <a:t>8/7/2020</a:t>
+              <a:t>8/8/2020</a:t>
             </a:fld>
             <a:endParaRPr lang="en-US" dirty="0"/>
           </a:p>
@@ -13943,7 +13943,7 @@
             <a:fld id="{8BEEBAAA-29B5-4AF5-BC5F-7E580C29002D}" type="datetimeFigureOut">
               <a:rPr lang="en-US" smtClean="0"/>
               <a:pPr/>
-              <a:t>8/7/2020</a:t>
+              <a:t>8/8/2020</a:t>
             </a:fld>
             <a:endParaRPr lang="en-US" dirty="0"/>
           </a:p>
@@ -14351,7 +14351,7 @@
             <a:fld id="{8BEEBAAA-29B5-4AF5-BC5F-7E580C29002D}" type="datetimeFigureOut">
               <a:rPr lang="en-US" smtClean="0"/>
               <a:pPr/>
-              <a:t>8/7/2020</a:t>
+              <a:t>8/8/2020</a:t>
             </a:fld>
             <a:endParaRPr lang="en-US" dirty="0"/>
           </a:p>
@@ -17447,7 +17447,7 @@
                   </a:schemeClr>
                 </a:solidFill>
               </a:rPr>
-              <a:t> dollars per year!</a:t>
+              <a:t> dollars per year in the US!</a:t>
             </a:r>
           </a:p>
           <a:p>
@@ -17490,7 +17490,7 @@
         </p:blipFill>
         <p:spPr>
           <a:xfrm>
-            <a:off x="490308" y="2557264"/>
+            <a:off x="727250" y="2557263"/>
             <a:ext cx="5274388" cy="3220684"/>
           </a:xfrm>
           <a:prstGeom prst="rect">
@@ -21153,6 +21153,15 @@
 </file>
 
 <file path=customXml/item2.xml><?xml version="1.0" encoding="utf-8"?>
+<p:properties xmlns:p="http://schemas.microsoft.com/office/2006/metadata/properties" xmlns:xsi="http://www.w3.org/2001/XMLSchema-instance" xmlns:pc="http://schemas.microsoft.com/office/infopath/2007/PartnerControls">
+  <documentManagement>
+    <Status xmlns="71af3243-3dd4-4a8d-8c0d-dd76da1f02a5">Not started</Status>
+    <MediaServiceKeyPoints xmlns="71af3243-3dd4-4a8d-8c0d-dd76da1f02a5" xsi:nil="true"/>
+  </documentManagement>
+</p:properties>
+</file>
+
+<file path=customXml/item3.xml><?xml version="1.0" encoding="utf-8"?>
 <ct:contentTypeSchema xmlns:ct="http://schemas.microsoft.com/office/2006/metadata/contentType" xmlns:ma="http://schemas.microsoft.com/office/2006/metadata/properties/metaAttributes" ct:_="" ma:_="" ma:contentTypeName="Document" ma:contentTypeID="0x01010079F111ED35F8CC479449609E8A0923A6" ma:contentTypeVersion="12" ma:contentTypeDescription="Create a new document." ma:contentTypeScope="" ma:versionID="a8a52e8c320b9a064ae3583ae3861c92">
   <xsd:schema xmlns:xsd="http://www.w3.org/2001/XMLSchema" xmlns:xs="http://www.w3.org/2001/XMLSchema" xmlns:p="http://schemas.microsoft.com/office/2006/metadata/properties" xmlns:ns2="71af3243-3dd4-4a8d-8c0d-dd76da1f02a5" xmlns:ns3="16c05727-aa75-4e4a-9b5f-8a80a1165891" targetNamespace="http://schemas.microsoft.com/office/2006/metadata/properties" ma:root="true" ma:fieldsID="88020cb39231a0945110f9cd888b521a" ns2:_="" ns3:_="">
     <xsd:import namespace="71af3243-3dd4-4a8d-8c0d-dd76da1f02a5"/>
@@ -21373,15 +21382,6 @@
 </ct:contentTypeSchema>
 </file>
 
-<file path=customXml/item3.xml><?xml version="1.0" encoding="utf-8"?>
-<p:properties xmlns:p="http://schemas.microsoft.com/office/2006/metadata/properties" xmlns:xsi="http://www.w3.org/2001/XMLSchema-instance" xmlns:pc="http://schemas.microsoft.com/office/infopath/2007/PartnerControls">
-  <documentManagement>
-    <Status xmlns="71af3243-3dd4-4a8d-8c0d-dd76da1f02a5">Not started</Status>
-    <MediaServiceKeyPoints xmlns="71af3243-3dd4-4a8d-8c0d-dd76da1f02a5" xsi:nil="true"/>
-  </documentManagement>
-</p:properties>
-</file>
-
 <file path=customXml/itemProps1.xml><?xml version="1.0" encoding="utf-8"?>
 <ds:datastoreItem xmlns:ds="http://schemas.openxmlformats.org/officeDocument/2006/customXml" ds:itemID="{7EE8C63A-4744-4DE4-BB49-0FF0B5375C60}">
   <ds:schemaRefs>
@@ -21391,6 +21391,16 @@
 </file>
 
 <file path=customXml/itemProps2.xml><?xml version="1.0" encoding="utf-8"?>
+<ds:datastoreItem xmlns:ds="http://schemas.openxmlformats.org/officeDocument/2006/customXml" ds:itemID="{950072C5-DDE0-4258-BA7A-4D4B80DFA632}">
+  <ds:schemaRefs>
+    <ds:schemaRef ds:uri="http://schemas.microsoft.com/office/2006/metadata/properties"/>
+    <ds:schemaRef ds:uri="http://schemas.microsoft.com/office/infopath/2007/PartnerControls"/>
+    <ds:schemaRef ds:uri="71af3243-3dd4-4a8d-8c0d-dd76da1f02a5"/>
+  </ds:schemaRefs>
+</ds:datastoreItem>
+</file>
+
+<file path=customXml/itemProps3.xml><?xml version="1.0" encoding="utf-8"?>
 <ds:datastoreItem xmlns:ds="http://schemas.openxmlformats.org/officeDocument/2006/customXml" ds:itemID="{FD7FC771-7DFE-49DA-B577-71181BFBCB2E}">
   <ds:schemaRefs>
     <ds:schemaRef ds:uri="http://schemas.microsoft.com/office/2006/metadata/contentType"/>
@@ -21407,14 +21417,4 @@
     <ds:schemaRef ds:uri="http://schemas.microsoft.com/internal/obd"/>
   </ds:schemaRefs>
 </ds:datastoreItem>
-</file>
-
-<file path=customXml/itemProps3.xml><?xml version="1.0" encoding="utf-8"?>
-<ds:datastoreItem xmlns:ds="http://schemas.openxmlformats.org/officeDocument/2006/customXml" ds:itemID="{950072C5-DDE0-4258-BA7A-4D4B80DFA632}">
-  <ds:schemaRefs>
-    <ds:schemaRef ds:uri="http://schemas.microsoft.com/office/2006/metadata/properties"/>
-    <ds:schemaRef ds:uri="http://schemas.microsoft.com/office/infopath/2007/PartnerControls"/>
-    <ds:schemaRef ds:uri="71af3243-3dd4-4a8d-8c0d-dd76da1f02a5"/>
-  </ds:schemaRefs>
-</ds:datastoreItem>
 </file>